--- a/Solution/Data_Viz Presentation.pptx
+++ b/Solution/Data_Viz Presentation.pptx
@@ -24765,12 +24765,11 @@
           </a:p>
           <a:p>
             <a:r>
-              <a:rPr lang="en-US">
+              <a:rPr lang="en-US" dirty="0">
                 <a:hlinkClick r:id="rId3"/>
               </a:rPr>
               <a:t>Regression Notebook</a:t>
             </a:r>
-            <a:endParaRPr lang="en-US"/>
           </a:p>
         </p:txBody>
       </p:sp>
@@ -29406,8 +29405,8 @@
           <a:lstStyle/>
           <a:p>
             <a:r>
-              <a:rPr lang="en-US"/>
-              <a:t>We wanted to  examine the prevalence of gluten-free friendly restaurants in relation to the income of a given area.  Our hypothesis was that there would be more gluten-free friendly restaurants in higher income areas (using zip codes to measure area).  We used API data from Yelp and the US Census Bureau to help us answer the following questions.</a:t>
+              <a:rPr lang="en-US" dirty="0"/>
+              <a:t>We wanted to  examine the prevalence of gluten-free friendly restaurants in relation to the income of a given area.  Our hypothesis was that there would be more gluten-free friendly restaurants in higher income areas  of Southern California (using zip codes to measure area).  We used API data from Yelp and the US Census Bureau to help us answer the following questions.</a:t>
             </a:r>
           </a:p>
         </p:txBody>
